--- a/Kaggle.pptx
+++ b/Kaggle.pptx
@@ -7127,7 +7127,7 @@
         <p:spPr>
           <a:xfrm>
             <a:off x="1524000" y="1122363"/>
-            <a:ext cx="9144000" cy="2387600"/>
+            <a:ext cx="9144000" cy="3418640"/>
           </a:xfrm>
         </p:spPr>
         <p:txBody>
@@ -7143,8 +7143,16 @@
                 </a:solidFill>
                 <a:cs typeface="Angsana New"/>
               </a:rPr>
-              <a:t>Tools we will use | Kaggle | </a:t>
+              <a:t>Tools we will use: Kaggle</a:t>
             </a:r>
+            <a:br>
+              <a:rPr lang="en-US" sz="5000" dirty="0">
+                <a:solidFill>
+                  <a:srgbClr val="FFFFFF"/>
+                </a:solidFill>
+                <a:cs typeface="Angsana New"/>
+              </a:rPr>
+            </a:br>
             <a:br>
               <a:rPr lang="en-US" sz="5000" dirty="0">
                 <a:solidFill>
@@ -7160,7 +7168,7 @@
                 </a:solidFill>
                 <a:cs typeface="Angsana New"/>
               </a:rPr>
-              <a:t>Gavin </a:t>
+              <a:t>By Gavin </a:t>
             </a:r>
             <a:r>
               <a:rPr lang="en-US" sz="5000" dirty="0" err="1">
@@ -7171,25 +7179,7 @@
               </a:rPr>
               <a:t>Klibowitz</a:t>
             </a:r>
-            <a:r>
-              <a:rPr lang="en-US" sz="5000" dirty="0">
-                <a:solidFill>
-                  <a:srgbClr val="FFFFFF"/>
-                </a:solidFill>
-                <a:cs typeface="Angsana New"/>
-              </a:rPr>
-              <a:t> Chief Hacking Officer </a:t>
-            </a:r>
-            <a:r>
-              <a:rPr lang="en-US" sz="5000" dirty="0" err="1">
-                <a:solidFill>
-                  <a:srgbClr val="FFFFFF"/>
-                </a:solidFill>
-                <a:cs typeface="Angsana New"/>
-              </a:rPr>
-              <a:t>ShadowSecurity</a:t>
-            </a:r>
-            <a:endParaRPr lang="en-US" sz="5000" dirty="0" err="1">
+            <a:endParaRPr lang="en-US" sz="5000" dirty="0">
               <a:solidFill>
                 <a:srgbClr val="FFFFFF"/>
               </a:solidFill>
